--- a/DS3/DEUS ETERNO.pptx
+++ b/DS3/DEUS ETERNO.pptx
@@ -110,6 +110,11 @@
       </a:defRPr>
     </a:lvl9pPr>
   </p:defaultTextStyle>
+  <p:extLst>
+    <p:ext uri="{EFAFB233-063F-42B5-8137-9DF3F51BA10A}">
+      <p15:sldGuideLst xmlns:p15="http://schemas.microsoft.com/office/powerpoint/2012/main"/>
+    </p:ext>
+  </p:extLst>
 </p:presentation>
 </file>
 
@@ -155,10 +160,9 @@
           </a:lstStyle>
           <a:p>
             <a:r>
-              <a:rPr lang="pt-BR" smtClean="0"/>
+              <a:rPr lang="pt-BR"/>
               <a:t>Clique para editar o título mestre</a:t>
             </a:r>
-            <a:endParaRPr lang="pt-BR"/>
           </a:p>
         </p:txBody>
       </p:sp>
@@ -220,10 +224,9 @@
           </a:lstStyle>
           <a:p>
             <a:r>
-              <a:rPr lang="pt-BR" smtClean="0"/>
+              <a:rPr lang="pt-BR"/>
               <a:t>Clique para editar o estilo do subtítulo Mestre</a:t>
             </a:r>
-            <a:endParaRPr lang="pt-BR"/>
           </a:p>
         </p:txBody>
       </p:sp>
@@ -244,7 +247,7 @@
           <a:p>
             <a:fld id="{6EC1ED0D-BF85-4338-847F-510DAFD4ACA3}" type="datetimeFigureOut">
               <a:rPr lang="pt-BR" smtClean="0"/>
-              <a:t>19/11/2022</a:t>
+              <a:t>17/09/2023</a:t>
             </a:fld>
             <a:endParaRPr lang="pt-BR"/>
           </a:p>
@@ -338,10 +341,9 @@
           <a:lstStyle/>
           <a:p>
             <a:r>
-              <a:rPr lang="pt-BR" smtClean="0"/>
+              <a:rPr lang="pt-BR"/>
               <a:t>Clique para editar o título mestre</a:t>
             </a:r>
-            <a:endParaRPr lang="pt-BR"/>
           </a:p>
         </p:txBody>
       </p:sp>
@@ -362,38 +364,37 @@
           <a:p>
             <a:pPr lvl="0"/>
             <a:r>
-              <a:rPr lang="pt-BR" smtClean="0"/>
+              <a:rPr lang="pt-BR"/>
               <a:t>Editar estilos de texto Mestre</a:t>
             </a:r>
           </a:p>
           <a:p>
             <a:pPr lvl="1"/>
             <a:r>
-              <a:rPr lang="pt-BR" smtClean="0"/>
+              <a:rPr lang="pt-BR"/>
               <a:t>Segundo nível</a:t>
             </a:r>
           </a:p>
           <a:p>
             <a:pPr lvl="2"/>
             <a:r>
-              <a:rPr lang="pt-BR" smtClean="0"/>
+              <a:rPr lang="pt-BR"/>
               <a:t>Terceiro nível</a:t>
             </a:r>
           </a:p>
           <a:p>
             <a:pPr lvl="3"/>
             <a:r>
-              <a:rPr lang="pt-BR" smtClean="0"/>
+              <a:rPr lang="pt-BR"/>
               <a:t>Quarto nível</a:t>
             </a:r>
           </a:p>
           <a:p>
             <a:pPr lvl="4"/>
             <a:r>
-              <a:rPr lang="pt-BR" smtClean="0"/>
+              <a:rPr lang="pt-BR"/>
               <a:t>Quinto nível</a:t>
             </a:r>
-            <a:endParaRPr lang="pt-BR"/>
           </a:p>
         </p:txBody>
       </p:sp>
@@ -414,7 +415,7 @@
           <a:p>
             <a:fld id="{6EC1ED0D-BF85-4338-847F-510DAFD4ACA3}" type="datetimeFigureOut">
               <a:rPr lang="pt-BR" smtClean="0"/>
-              <a:t>19/11/2022</a:t>
+              <a:t>17/09/2023</a:t>
             </a:fld>
             <a:endParaRPr lang="pt-BR"/>
           </a:p>
@@ -513,10 +514,9 @@
           <a:lstStyle/>
           <a:p>
             <a:r>
-              <a:rPr lang="pt-BR" smtClean="0"/>
+              <a:rPr lang="pt-BR"/>
               <a:t>Clique para editar o título mestre</a:t>
             </a:r>
-            <a:endParaRPr lang="pt-BR"/>
           </a:p>
         </p:txBody>
       </p:sp>
@@ -542,38 +542,37 @@
           <a:p>
             <a:pPr lvl="0"/>
             <a:r>
-              <a:rPr lang="pt-BR" smtClean="0"/>
+              <a:rPr lang="pt-BR"/>
               <a:t>Editar estilos de texto Mestre</a:t>
             </a:r>
           </a:p>
           <a:p>
             <a:pPr lvl="1"/>
             <a:r>
-              <a:rPr lang="pt-BR" smtClean="0"/>
+              <a:rPr lang="pt-BR"/>
               <a:t>Segundo nível</a:t>
             </a:r>
           </a:p>
           <a:p>
             <a:pPr lvl="2"/>
             <a:r>
-              <a:rPr lang="pt-BR" smtClean="0"/>
+              <a:rPr lang="pt-BR"/>
               <a:t>Terceiro nível</a:t>
             </a:r>
           </a:p>
           <a:p>
             <a:pPr lvl="3"/>
             <a:r>
-              <a:rPr lang="pt-BR" smtClean="0"/>
+              <a:rPr lang="pt-BR"/>
               <a:t>Quarto nível</a:t>
             </a:r>
           </a:p>
           <a:p>
             <a:pPr lvl="4"/>
             <a:r>
-              <a:rPr lang="pt-BR" smtClean="0"/>
+              <a:rPr lang="pt-BR"/>
               <a:t>Quinto nível</a:t>
             </a:r>
-            <a:endParaRPr lang="pt-BR"/>
           </a:p>
         </p:txBody>
       </p:sp>
@@ -594,7 +593,7 @@
           <a:p>
             <a:fld id="{6EC1ED0D-BF85-4338-847F-510DAFD4ACA3}" type="datetimeFigureOut">
               <a:rPr lang="pt-BR" smtClean="0"/>
-              <a:t>19/11/2022</a:t>
+              <a:t>17/09/2023</a:t>
             </a:fld>
             <a:endParaRPr lang="pt-BR"/>
           </a:p>
@@ -688,10 +687,9 @@
           <a:lstStyle/>
           <a:p>
             <a:r>
-              <a:rPr lang="pt-BR" smtClean="0"/>
+              <a:rPr lang="pt-BR"/>
               <a:t>Clique para editar o título mestre</a:t>
             </a:r>
-            <a:endParaRPr lang="pt-BR"/>
           </a:p>
         </p:txBody>
       </p:sp>
@@ -712,38 +710,37 @@
           <a:p>
             <a:pPr lvl="0"/>
             <a:r>
-              <a:rPr lang="pt-BR" smtClean="0"/>
+              <a:rPr lang="pt-BR"/>
               <a:t>Editar estilos de texto Mestre</a:t>
             </a:r>
           </a:p>
           <a:p>
             <a:pPr lvl="1"/>
             <a:r>
-              <a:rPr lang="pt-BR" smtClean="0"/>
+              <a:rPr lang="pt-BR"/>
               <a:t>Segundo nível</a:t>
             </a:r>
           </a:p>
           <a:p>
             <a:pPr lvl="2"/>
             <a:r>
-              <a:rPr lang="pt-BR" smtClean="0"/>
+              <a:rPr lang="pt-BR"/>
               <a:t>Terceiro nível</a:t>
             </a:r>
           </a:p>
           <a:p>
             <a:pPr lvl="3"/>
             <a:r>
-              <a:rPr lang="pt-BR" smtClean="0"/>
+              <a:rPr lang="pt-BR"/>
               <a:t>Quarto nível</a:t>
             </a:r>
           </a:p>
           <a:p>
             <a:pPr lvl="4"/>
             <a:r>
-              <a:rPr lang="pt-BR" smtClean="0"/>
+              <a:rPr lang="pt-BR"/>
               <a:t>Quinto nível</a:t>
             </a:r>
-            <a:endParaRPr lang="pt-BR"/>
           </a:p>
         </p:txBody>
       </p:sp>
@@ -764,7 +761,7 @@
           <a:p>
             <a:fld id="{6EC1ED0D-BF85-4338-847F-510DAFD4ACA3}" type="datetimeFigureOut">
               <a:rPr lang="pt-BR" smtClean="0"/>
-              <a:t>19/11/2022</a:t>
+              <a:t>17/09/2023</a:t>
             </a:fld>
             <a:endParaRPr lang="pt-BR"/>
           </a:p>
@@ -867,10 +864,9 @@
           </a:lstStyle>
           <a:p>
             <a:r>
-              <a:rPr lang="pt-BR" smtClean="0"/>
+              <a:rPr lang="pt-BR"/>
               <a:t>Clique para editar o título mestre</a:t>
             </a:r>
-            <a:endParaRPr lang="pt-BR"/>
           </a:p>
         </p:txBody>
       </p:sp>
@@ -987,7 +983,7 @@
           <a:p>
             <a:pPr lvl="0"/>
             <a:r>
-              <a:rPr lang="pt-BR" smtClean="0"/>
+              <a:rPr lang="pt-BR"/>
               <a:t>Editar estilos de texto Mestre</a:t>
             </a:r>
           </a:p>
@@ -1010,7 +1006,7 @@
           <a:p>
             <a:fld id="{6EC1ED0D-BF85-4338-847F-510DAFD4ACA3}" type="datetimeFigureOut">
               <a:rPr lang="pt-BR" smtClean="0"/>
-              <a:t>19/11/2022</a:t>
+              <a:t>17/09/2023</a:t>
             </a:fld>
             <a:endParaRPr lang="pt-BR"/>
           </a:p>
@@ -1104,10 +1100,9 @@
           <a:lstStyle/>
           <a:p>
             <a:r>
-              <a:rPr lang="pt-BR" smtClean="0"/>
+              <a:rPr lang="pt-BR"/>
               <a:t>Clique para editar o título mestre</a:t>
             </a:r>
-            <a:endParaRPr lang="pt-BR"/>
           </a:p>
         </p:txBody>
       </p:sp>
@@ -1133,38 +1128,37 @@
           <a:p>
             <a:pPr lvl="0"/>
             <a:r>
-              <a:rPr lang="pt-BR" smtClean="0"/>
+              <a:rPr lang="pt-BR"/>
               <a:t>Editar estilos de texto Mestre</a:t>
             </a:r>
           </a:p>
           <a:p>
             <a:pPr lvl="1"/>
             <a:r>
-              <a:rPr lang="pt-BR" smtClean="0"/>
+              <a:rPr lang="pt-BR"/>
               <a:t>Segundo nível</a:t>
             </a:r>
           </a:p>
           <a:p>
             <a:pPr lvl="2"/>
             <a:r>
-              <a:rPr lang="pt-BR" smtClean="0"/>
+              <a:rPr lang="pt-BR"/>
               <a:t>Terceiro nível</a:t>
             </a:r>
           </a:p>
           <a:p>
             <a:pPr lvl="3"/>
             <a:r>
-              <a:rPr lang="pt-BR" smtClean="0"/>
+              <a:rPr lang="pt-BR"/>
               <a:t>Quarto nível</a:t>
             </a:r>
           </a:p>
           <a:p>
             <a:pPr lvl="4"/>
             <a:r>
-              <a:rPr lang="pt-BR" smtClean="0"/>
+              <a:rPr lang="pt-BR"/>
               <a:t>Quinto nível</a:t>
             </a:r>
-            <a:endParaRPr lang="pt-BR"/>
           </a:p>
         </p:txBody>
       </p:sp>
@@ -1190,38 +1184,37 @@
           <a:p>
             <a:pPr lvl="0"/>
             <a:r>
-              <a:rPr lang="pt-BR" smtClean="0"/>
+              <a:rPr lang="pt-BR"/>
               <a:t>Editar estilos de texto Mestre</a:t>
             </a:r>
           </a:p>
           <a:p>
             <a:pPr lvl="1"/>
             <a:r>
-              <a:rPr lang="pt-BR" smtClean="0"/>
+              <a:rPr lang="pt-BR"/>
               <a:t>Segundo nível</a:t>
             </a:r>
           </a:p>
           <a:p>
             <a:pPr lvl="2"/>
             <a:r>
-              <a:rPr lang="pt-BR" smtClean="0"/>
+              <a:rPr lang="pt-BR"/>
               <a:t>Terceiro nível</a:t>
             </a:r>
           </a:p>
           <a:p>
             <a:pPr lvl="3"/>
             <a:r>
-              <a:rPr lang="pt-BR" smtClean="0"/>
+              <a:rPr lang="pt-BR"/>
               <a:t>Quarto nível</a:t>
             </a:r>
           </a:p>
           <a:p>
             <a:pPr lvl="4"/>
             <a:r>
-              <a:rPr lang="pt-BR" smtClean="0"/>
+              <a:rPr lang="pt-BR"/>
               <a:t>Quinto nível</a:t>
             </a:r>
-            <a:endParaRPr lang="pt-BR"/>
           </a:p>
         </p:txBody>
       </p:sp>
@@ -1242,7 +1235,7 @@
           <a:p>
             <a:fld id="{6EC1ED0D-BF85-4338-847F-510DAFD4ACA3}" type="datetimeFigureOut">
               <a:rPr lang="pt-BR" smtClean="0"/>
-              <a:t>19/11/2022</a:t>
+              <a:t>17/09/2023</a:t>
             </a:fld>
             <a:endParaRPr lang="pt-BR"/>
           </a:p>
@@ -1341,10 +1334,9 @@
           <a:lstStyle/>
           <a:p>
             <a:r>
-              <a:rPr lang="pt-BR" smtClean="0"/>
+              <a:rPr lang="pt-BR"/>
               <a:t>Clique para editar o título mestre</a:t>
             </a:r>
-            <a:endParaRPr lang="pt-BR"/>
           </a:p>
         </p:txBody>
       </p:sp>
@@ -1407,7 +1399,7 @@
           <a:p>
             <a:pPr lvl="0"/>
             <a:r>
-              <a:rPr lang="pt-BR" smtClean="0"/>
+              <a:rPr lang="pt-BR"/>
               <a:t>Editar estilos de texto Mestre</a:t>
             </a:r>
           </a:p>
@@ -1435,38 +1427,37 @@
           <a:p>
             <a:pPr lvl="0"/>
             <a:r>
-              <a:rPr lang="pt-BR" smtClean="0"/>
+              <a:rPr lang="pt-BR"/>
               <a:t>Editar estilos de texto Mestre</a:t>
             </a:r>
           </a:p>
           <a:p>
             <a:pPr lvl="1"/>
             <a:r>
-              <a:rPr lang="pt-BR" smtClean="0"/>
+              <a:rPr lang="pt-BR"/>
               <a:t>Segundo nível</a:t>
             </a:r>
           </a:p>
           <a:p>
             <a:pPr lvl="2"/>
             <a:r>
-              <a:rPr lang="pt-BR" smtClean="0"/>
+              <a:rPr lang="pt-BR"/>
               <a:t>Terceiro nível</a:t>
             </a:r>
           </a:p>
           <a:p>
             <a:pPr lvl="3"/>
             <a:r>
-              <a:rPr lang="pt-BR" smtClean="0"/>
+              <a:rPr lang="pt-BR"/>
               <a:t>Quarto nível</a:t>
             </a:r>
           </a:p>
           <a:p>
             <a:pPr lvl="4"/>
             <a:r>
-              <a:rPr lang="pt-BR" smtClean="0"/>
+              <a:rPr lang="pt-BR"/>
               <a:t>Quinto nível</a:t>
             </a:r>
-            <a:endParaRPr lang="pt-BR"/>
           </a:p>
         </p:txBody>
       </p:sp>
@@ -1529,7 +1520,7 @@
           <a:p>
             <a:pPr lvl="0"/>
             <a:r>
-              <a:rPr lang="pt-BR" smtClean="0"/>
+              <a:rPr lang="pt-BR"/>
               <a:t>Editar estilos de texto Mestre</a:t>
             </a:r>
           </a:p>
@@ -1557,38 +1548,37 @@
           <a:p>
             <a:pPr lvl="0"/>
             <a:r>
-              <a:rPr lang="pt-BR" smtClean="0"/>
+              <a:rPr lang="pt-BR"/>
               <a:t>Editar estilos de texto Mestre</a:t>
             </a:r>
           </a:p>
           <a:p>
             <a:pPr lvl="1"/>
             <a:r>
-              <a:rPr lang="pt-BR" smtClean="0"/>
+              <a:rPr lang="pt-BR"/>
               <a:t>Segundo nível</a:t>
             </a:r>
           </a:p>
           <a:p>
             <a:pPr lvl="2"/>
             <a:r>
-              <a:rPr lang="pt-BR" smtClean="0"/>
+              <a:rPr lang="pt-BR"/>
               <a:t>Terceiro nível</a:t>
             </a:r>
           </a:p>
           <a:p>
             <a:pPr lvl="3"/>
             <a:r>
-              <a:rPr lang="pt-BR" smtClean="0"/>
+              <a:rPr lang="pt-BR"/>
               <a:t>Quarto nível</a:t>
             </a:r>
           </a:p>
           <a:p>
             <a:pPr lvl="4"/>
             <a:r>
-              <a:rPr lang="pt-BR" smtClean="0"/>
+              <a:rPr lang="pt-BR"/>
               <a:t>Quinto nível</a:t>
             </a:r>
-            <a:endParaRPr lang="pt-BR"/>
           </a:p>
         </p:txBody>
       </p:sp>
@@ -1609,7 +1599,7 @@
           <a:p>
             <a:fld id="{6EC1ED0D-BF85-4338-847F-510DAFD4ACA3}" type="datetimeFigureOut">
               <a:rPr lang="pt-BR" smtClean="0"/>
-              <a:t>19/11/2022</a:t>
+              <a:t>17/09/2023</a:t>
             </a:fld>
             <a:endParaRPr lang="pt-BR"/>
           </a:p>
@@ -1703,10 +1693,9 @@
           <a:lstStyle/>
           <a:p>
             <a:r>
-              <a:rPr lang="pt-BR" smtClean="0"/>
+              <a:rPr lang="pt-BR"/>
               <a:t>Clique para editar o título mestre</a:t>
             </a:r>
-            <a:endParaRPr lang="pt-BR"/>
           </a:p>
         </p:txBody>
       </p:sp>
@@ -1727,7 +1716,7 @@
           <a:p>
             <a:fld id="{6EC1ED0D-BF85-4338-847F-510DAFD4ACA3}" type="datetimeFigureOut">
               <a:rPr lang="pt-BR" smtClean="0"/>
-              <a:t>19/11/2022</a:t>
+              <a:t>17/09/2023</a:t>
             </a:fld>
             <a:endParaRPr lang="pt-BR"/>
           </a:p>
@@ -1822,7 +1811,7 @@
           <a:p>
             <a:fld id="{6EC1ED0D-BF85-4338-847F-510DAFD4ACA3}" type="datetimeFigureOut">
               <a:rPr lang="pt-BR" smtClean="0"/>
-              <a:t>19/11/2022</a:t>
+              <a:t>17/09/2023</a:t>
             </a:fld>
             <a:endParaRPr lang="pt-BR"/>
           </a:p>
@@ -1925,10 +1914,9 @@
           </a:lstStyle>
           <a:p>
             <a:r>
-              <a:rPr lang="pt-BR" smtClean="0"/>
+              <a:rPr lang="pt-BR"/>
               <a:t>Clique para editar o título mestre</a:t>
             </a:r>
-            <a:endParaRPr lang="pt-BR"/>
           </a:p>
         </p:txBody>
       </p:sp>
@@ -1982,38 +1970,37 @@
           <a:p>
             <a:pPr lvl="0"/>
             <a:r>
-              <a:rPr lang="pt-BR" smtClean="0"/>
+              <a:rPr lang="pt-BR"/>
               <a:t>Editar estilos de texto Mestre</a:t>
             </a:r>
           </a:p>
           <a:p>
             <a:pPr lvl="1"/>
             <a:r>
-              <a:rPr lang="pt-BR" smtClean="0"/>
+              <a:rPr lang="pt-BR"/>
               <a:t>Segundo nível</a:t>
             </a:r>
           </a:p>
           <a:p>
             <a:pPr lvl="2"/>
             <a:r>
-              <a:rPr lang="pt-BR" smtClean="0"/>
+              <a:rPr lang="pt-BR"/>
               <a:t>Terceiro nível</a:t>
             </a:r>
           </a:p>
           <a:p>
             <a:pPr lvl="3"/>
             <a:r>
-              <a:rPr lang="pt-BR" smtClean="0"/>
+              <a:rPr lang="pt-BR"/>
               <a:t>Quarto nível</a:t>
             </a:r>
           </a:p>
           <a:p>
             <a:pPr lvl="4"/>
             <a:r>
-              <a:rPr lang="pt-BR" smtClean="0"/>
+              <a:rPr lang="pt-BR"/>
               <a:t>Quinto nível</a:t>
             </a:r>
-            <a:endParaRPr lang="pt-BR"/>
           </a:p>
         </p:txBody>
       </p:sp>
@@ -2076,7 +2063,7 @@
           <a:p>
             <a:pPr lvl="0"/>
             <a:r>
-              <a:rPr lang="pt-BR" smtClean="0"/>
+              <a:rPr lang="pt-BR"/>
               <a:t>Editar estilos de texto Mestre</a:t>
             </a:r>
           </a:p>
@@ -2099,7 +2086,7 @@
           <a:p>
             <a:fld id="{6EC1ED0D-BF85-4338-847F-510DAFD4ACA3}" type="datetimeFigureOut">
               <a:rPr lang="pt-BR" smtClean="0"/>
-              <a:t>19/11/2022</a:t>
+              <a:t>17/09/2023</a:t>
             </a:fld>
             <a:endParaRPr lang="pt-BR"/>
           </a:p>
@@ -2202,10 +2189,9 @@
           </a:lstStyle>
           <a:p>
             <a:r>
-              <a:rPr lang="pt-BR" smtClean="0"/>
+              <a:rPr lang="pt-BR"/>
               <a:t>Clique para editar o título mestre</a:t>
             </a:r>
-            <a:endParaRPr lang="pt-BR"/>
           </a:p>
         </p:txBody>
       </p:sp>
@@ -2329,7 +2315,7 @@
           <a:p>
             <a:pPr lvl="0"/>
             <a:r>
-              <a:rPr lang="pt-BR" smtClean="0"/>
+              <a:rPr lang="pt-BR"/>
               <a:t>Editar estilos de texto Mestre</a:t>
             </a:r>
           </a:p>
@@ -2352,7 +2338,7 @@
           <a:p>
             <a:fld id="{6EC1ED0D-BF85-4338-847F-510DAFD4ACA3}" type="datetimeFigureOut">
               <a:rPr lang="pt-BR" smtClean="0"/>
-              <a:t>19/11/2022</a:t>
+              <a:t>17/09/2023</a:t>
             </a:fld>
             <a:endParaRPr lang="pt-BR"/>
           </a:p>
@@ -2461,10 +2447,9 @@
           <a:lstStyle/>
           <a:p>
             <a:r>
-              <a:rPr lang="pt-BR" smtClean="0"/>
+              <a:rPr lang="pt-BR"/>
               <a:t>Clique para editar o título mestre</a:t>
             </a:r>
-            <a:endParaRPr lang="pt-BR"/>
           </a:p>
         </p:txBody>
       </p:sp>
@@ -2495,38 +2480,37 @@
           <a:p>
             <a:pPr lvl="0"/>
             <a:r>
-              <a:rPr lang="pt-BR" smtClean="0"/>
+              <a:rPr lang="pt-BR"/>
               <a:t>Editar estilos de texto Mestre</a:t>
             </a:r>
           </a:p>
           <a:p>
             <a:pPr lvl="1"/>
             <a:r>
-              <a:rPr lang="pt-BR" smtClean="0"/>
+              <a:rPr lang="pt-BR"/>
               <a:t>Segundo nível</a:t>
             </a:r>
           </a:p>
           <a:p>
             <a:pPr lvl="2"/>
             <a:r>
-              <a:rPr lang="pt-BR" smtClean="0"/>
+              <a:rPr lang="pt-BR"/>
               <a:t>Terceiro nível</a:t>
             </a:r>
           </a:p>
           <a:p>
             <a:pPr lvl="3"/>
             <a:r>
-              <a:rPr lang="pt-BR" smtClean="0"/>
+              <a:rPr lang="pt-BR"/>
               <a:t>Quarto nível</a:t>
             </a:r>
           </a:p>
           <a:p>
             <a:pPr lvl="4"/>
             <a:r>
-              <a:rPr lang="pt-BR" smtClean="0"/>
+              <a:rPr lang="pt-BR"/>
               <a:t>Quinto nível</a:t>
             </a:r>
-            <a:endParaRPr lang="pt-BR"/>
           </a:p>
         </p:txBody>
       </p:sp>
@@ -2565,7 +2549,7 @@
           <a:p>
             <a:fld id="{6EC1ED0D-BF85-4338-847F-510DAFD4ACA3}" type="datetimeFigureOut">
               <a:rPr lang="pt-BR" smtClean="0"/>
-              <a:t>19/11/2022</a:t>
+              <a:t>17/09/2023</a:t>
             </a:fld>
             <a:endParaRPr lang="pt-BR"/>
           </a:p>
@@ -2982,7 +2966,7 @@
         </p:nvSpPr>
         <p:spPr>
           <a:xfrm>
-            <a:off x="327546" y="590100"/>
+            <a:off x="329821" y="1701724"/>
             <a:ext cx="11532358" cy="2387600"/>
           </a:xfrm>
         </p:spPr>
@@ -2993,14 +2977,11 @@
           <a:lstStyle/>
           <a:p>
             <a:r>
-              <a:rPr lang="pt-BR" sz="9600" b="1" dirty="0" smtClean="0">
+              <a:rPr lang="pt-BR" sz="9600" b="1" dirty="0">
                 <a:latin typeface="Arial Black" panose="020B0A04020102020204" pitchFamily="34" charset="0"/>
               </a:rPr>
               <a:t>DEUS ETERNO </a:t>
             </a:r>
-            <a:endParaRPr lang="pt-BR" sz="9600" b="1" dirty="0">
-              <a:latin typeface="Arial Black" panose="020B0A04020102020204" pitchFamily="34" charset="0"/>
-            </a:endParaRPr>
           </a:p>
         </p:txBody>
       </p:sp>
@@ -3027,14 +3008,11 @@
           <a:lstStyle/>
           <a:p>
             <a:r>
-              <a:rPr lang="pt-BR" sz="6000" b="1" dirty="0" smtClean="0">
+              <a:rPr lang="pt-BR" sz="6000" b="1" dirty="0">
                 <a:latin typeface="Arial Black" panose="020B0A04020102020204" pitchFamily="34" charset="0"/>
               </a:rPr>
-              <a:t>OFICINA G 3</a:t>
-            </a:r>
-            <a:endParaRPr lang="pt-BR" sz="6000" b="1" dirty="0">
-              <a:latin typeface="Arial Black" panose="020B0A04020102020204" pitchFamily="34" charset="0"/>
-            </a:endParaRPr>
+              <a:t>OFICINA G3</a:t>
+            </a:r>
           </a:p>
         </p:txBody>
       </p:sp>
@@ -3076,7 +3054,7 @@
         </p:nvSpPr>
         <p:spPr>
           <a:xfrm>
-            <a:off x="181969" y="280748"/>
+            <a:off x="636895" y="1074509"/>
             <a:ext cx="11555105" cy="4708981"/>
           </a:xfrm>
           <a:prstGeom prst="rect">
@@ -3090,7 +3068,7 @@
           <a:lstStyle/>
           <a:p>
             <a:r>
-              <a:rPr lang="pt-BR" sz="6000" b="1" i="0" dirty="0" smtClean="0">
+              <a:rPr lang="pt-BR" sz="6000" b="1" i="0" dirty="0">
                 <a:solidFill>
                   <a:srgbClr val="2D2D2D"/>
                 </a:solidFill>
@@ -3099,19 +3077,13 @@
               </a:rPr>
               <a:t>Ó DEUS TÚ ÉS O MEU DEUS FORTE E A MINHA FORTALEZA</a:t>
             </a:r>
-            <a:r>
-              <a:rPr lang="pt-BR" sz="6000" b="1" dirty="0" smtClean="0">
-                <a:latin typeface="Arial Black" panose="020B0A04020102020204" pitchFamily="34" charset="0"/>
-              </a:rPr>
-              <a:t/>
-            </a:r>
             <a:br>
-              <a:rPr lang="pt-BR" sz="6000" b="1" dirty="0" smtClean="0">
+              <a:rPr lang="pt-BR" sz="6000" b="1" dirty="0">
                 <a:latin typeface="Arial Black" panose="020B0A04020102020204" pitchFamily="34" charset="0"/>
               </a:rPr>
             </a:br>
             <a:r>
-              <a:rPr lang="pt-BR" sz="6000" b="1" i="0" dirty="0" smtClean="0">
+              <a:rPr lang="pt-BR" sz="6000" b="1" i="0" dirty="0">
                 <a:solidFill>
                   <a:srgbClr val="2D2D2D"/>
                 </a:solidFill>
@@ -3164,7 +3136,7 @@
         </p:nvSpPr>
         <p:spPr>
           <a:xfrm>
-            <a:off x="359390" y="321692"/>
+            <a:off x="270681" y="1536174"/>
             <a:ext cx="11650639" cy="3785652"/>
           </a:xfrm>
           <a:prstGeom prst="rect">
@@ -3178,7 +3150,7 @@
           <a:lstStyle/>
           <a:p>
             <a:r>
-              <a:rPr lang="pt-BR" sz="6000" b="1" i="0" dirty="0" smtClean="0">
+              <a:rPr lang="pt-BR" sz="6000" b="1" i="0" dirty="0">
                 <a:solidFill>
                   <a:srgbClr val="2D2D2D"/>
                 </a:solidFill>
@@ -3187,19 +3159,13 @@
               </a:rPr>
               <a:t>COM JÚBILO NOS LÁBIOS TE LOUVO Ó MEU REI</a:t>
             </a:r>
-            <a:r>
-              <a:rPr lang="pt-BR" sz="6000" b="1" dirty="0" smtClean="0">
-                <a:latin typeface="Arial Black" panose="020B0A04020102020204" pitchFamily="34" charset="0"/>
-              </a:rPr>
-              <a:t/>
-            </a:r>
             <a:br>
-              <a:rPr lang="pt-BR" sz="6000" b="1" dirty="0" smtClean="0">
+              <a:rPr lang="pt-BR" sz="6000" b="1" dirty="0">
                 <a:latin typeface="Arial Black" panose="020B0A04020102020204" pitchFamily="34" charset="0"/>
               </a:rPr>
             </a:br>
             <a:r>
-              <a:rPr lang="pt-BR" sz="6000" b="1" i="0" dirty="0" smtClean="0">
+              <a:rPr lang="pt-BR" sz="6000" b="1" i="0" dirty="0">
                 <a:solidFill>
                   <a:srgbClr val="2D2D2D"/>
                 </a:solidFill>
@@ -3252,7 +3218,7 @@
         </p:nvSpPr>
         <p:spPr>
           <a:xfrm>
-            <a:off x="263856" y="376283"/>
+            <a:off x="400334" y="1536174"/>
             <a:ext cx="11391332" cy="3785652"/>
           </a:xfrm>
           <a:prstGeom prst="rect">
@@ -3266,7 +3232,7 @@
           <a:lstStyle/>
           <a:p>
             <a:r>
-              <a:rPr lang="pt-BR" sz="6000" b="1" i="0" dirty="0" smtClean="0">
+              <a:rPr lang="pt-BR" sz="6000" b="1" i="0" dirty="0">
                 <a:solidFill>
                   <a:srgbClr val="2D2D2D"/>
                 </a:solidFill>
@@ -3275,19 +3241,13 @@
               </a:rPr>
               <a:t>TE LOUVO E TE BENDIGO, PORQUE ÉS BENDITO</a:t>
             </a:r>
-            <a:r>
-              <a:rPr lang="pt-BR" sz="6000" b="1" dirty="0" smtClean="0">
-                <a:latin typeface="Arial Black" panose="020B0A04020102020204" pitchFamily="34" charset="0"/>
-              </a:rPr>
-              <a:t/>
-            </a:r>
             <a:br>
-              <a:rPr lang="pt-BR" sz="6000" b="1" dirty="0" smtClean="0">
+              <a:rPr lang="pt-BR" sz="6000" b="1" dirty="0">
                 <a:latin typeface="Arial Black" panose="020B0A04020102020204" pitchFamily="34" charset="0"/>
               </a:rPr>
             </a:br>
             <a:r>
-              <a:rPr lang="pt-BR" sz="6000" b="1" i="0" dirty="0" smtClean="0">
+              <a:rPr lang="pt-BR" sz="6000" b="1" i="0" dirty="0">
                 <a:solidFill>
                   <a:srgbClr val="2D2D2D"/>
                 </a:solidFill>
@@ -3340,7 +3300,7 @@
         </p:nvSpPr>
         <p:spPr>
           <a:xfrm>
-            <a:off x="291152" y="389930"/>
+            <a:off x="413982" y="1074510"/>
             <a:ext cx="11364036" cy="4708981"/>
           </a:xfrm>
           <a:prstGeom prst="rect">
@@ -3354,7 +3314,7 @@
           <a:lstStyle/>
           <a:p>
             <a:r>
-              <a:rPr lang="pt-BR" sz="6000" b="1" i="0" dirty="0" smtClean="0">
+              <a:rPr lang="pt-BR" sz="6000" b="1" i="0" dirty="0">
                 <a:solidFill>
                   <a:srgbClr val="2D2D2D"/>
                 </a:solidFill>
@@ -3363,19 +3323,13 @@
               </a:rPr>
               <a:t>TE LOUVO E TE BENDIGO, PORQUE SEMPRE ÉS COMIGO</a:t>
             </a:r>
-            <a:r>
-              <a:rPr lang="pt-BR" sz="6000" b="1" dirty="0" smtClean="0">
-                <a:latin typeface="Arial Black" panose="020B0A04020102020204" pitchFamily="34" charset="0"/>
-              </a:rPr>
-              <a:t/>
-            </a:r>
             <a:br>
-              <a:rPr lang="pt-BR" sz="6000" b="1" dirty="0" smtClean="0">
+              <a:rPr lang="pt-BR" sz="6000" b="1" dirty="0">
                 <a:latin typeface="Arial Black" panose="020B0A04020102020204" pitchFamily="34" charset="0"/>
               </a:rPr>
             </a:br>
             <a:r>
-              <a:rPr lang="pt-BR" sz="6000" b="1" i="0" dirty="0" smtClean="0">
+              <a:rPr lang="pt-BR" sz="6000" b="1" i="0" dirty="0">
                 <a:solidFill>
                   <a:srgbClr val="2D2D2D"/>
                 </a:solidFill>
@@ -3428,7 +3382,7 @@
         </p:nvSpPr>
         <p:spPr>
           <a:xfrm>
-            <a:off x="526346" y="528430"/>
+            <a:off x="504284" y="2459504"/>
             <a:ext cx="11183433" cy="1938992"/>
           </a:xfrm>
           <a:prstGeom prst="rect">
@@ -3442,7 +3396,7 @@
           <a:lstStyle/>
           <a:p>
             <a:r>
-              <a:rPr lang="pt-BR" sz="6000" b="1" i="0" dirty="0" smtClean="0">
+              <a:rPr lang="pt-BR" sz="6000" b="1" i="0" dirty="0">
                 <a:solidFill>
                   <a:srgbClr val="2D2D2D"/>
                 </a:solidFill>
@@ -3495,7 +3449,7 @@
         </p:nvSpPr>
         <p:spPr>
           <a:xfrm>
-            <a:off x="593875" y="801385"/>
+            <a:off x="476633" y="2028617"/>
             <a:ext cx="11238734" cy="2800767"/>
           </a:xfrm>
           <a:prstGeom prst="rect">
@@ -3509,24 +3463,14 @@
           <a:lstStyle/>
           <a:p>
             <a:r>
-              <a:rPr lang="pt-BR" sz="8800" b="1" i="0" smtClean="0">
+              <a:rPr lang="pt-BR" sz="8800" b="1" i="0" dirty="0">
                 <a:solidFill>
                   <a:srgbClr val="2D2D2D"/>
                 </a:solidFill>
                 <a:effectLst/>
                 <a:latin typeface="Arial Black" panose="020B0A04020102020204" pitchFamily="34" charset="0"/>
               </a:rPr>
-              <a:t>GLÓRIAS </a:t>
-            </a:r>
-            <a:r>
-              <a:rPr lang="pt-BR" sz="8800" b="1" i="0" dirty="0" smtClean="0">
-                <a:solidFill>
-                  <a:srgbClr val="2D2D2D"/>
-                </a:solidFill>
-                <a:effectLst/>
-                <a:latin typeface="Arial Black" panose="020B0A04020102020204" pitchFamily="34" charset="0"/>
-              </a:rPr>
-              <a:t>AO DEUS ETERNO</a:t>
+              <a:t>GLÓRIAS AO DEUS ETERNO</a:t>
             </a:r>
             <a:endParaRPr lang="pt-BR" sz="8800" b="1" dirty="0">
               <a:latin typeface="Arial Black" panose="020B0A04020102020204" pitchFamily="34" charset="0"/>

--- a/DS3/DEUS ETERNO.pptx
+++ b/DS3/DEUS ETERNO.pptx
@@ -110,11 +110,6 @@
       </a:defRPr>
     </a:lvl9pPr>
   </p:defaultTextStyle>
-  <p:extLst>
-    <p:ext uri="{EFAFB233-063F-42B5-8137-9DF3F51BA10A}">
-      <p15:sldGuideLst xmlns:p15="http://schemas.microsoft.com/office/powerpoint/2012/main"/>
-    </p:ext>
-  </p:extLst>
 </p:presentation>
 </file>
 
@@ -160,9 +155,10 @@
           </a:lstStyle>
           <a:p>
             <a:r>
-              <a:rPr lang="pt-BR"/>
+              <a:rPr lang="pt-BR" smtClean="0"/>
               <a:t>Clique para editar o título mestre</a:t>
             </a:r>
+            <a:endParaRPr lang="pt-BR"/>
           </a:p>
         </p:txBody>
       </p:sp>
@@ -224,9 +220,10 @@
           </a:lstStyle>
           <a:p>
             <a:r>
-              <a:rPr lang="pt-BR"/>
+              <a:rPr lang="pt-BR" smtClean="0"/>
               <a:t>Clique para editar o estilo do subtítulo Mestre</a:t>
             </a:r>
+            <a:endParaRPr lang="pt-BR"/>
           </a:p>
         </p:txBody>
       </p:sp>
@@ -247,7 +244,7 @@
           <a:p>
             <a:fld id="{6EC1ED0D-BF85-4338-847F-510DAFD4ACA3}" type="datetimeFigureOut">
               <a:rPr lang="pt-BR" smtClean="0"/>
-              <a:t>17/09/2023</a:t>
+              <a:t>19/11/2022</a:t>
             </a:fld>
             <a:endParaRPr lang="pt-BR"/>
           </a:p>
@@ -341,9 +338,10 @@
           <a:lstStyle/>
           <a:p>
             <a:r>
-              <a:rPr lang="pt-BR"/>
+              <a:rPr lang="pt-BR" smtClean="0"/>
               <a:t>Clique para editar o título mestre</a:t>
             </a:r>
+            <a:endParaRPr lang="pt-BR"/>
           </a:p>
         </p:txBody>
       </p:sp>
@@ -364,37 +362,38 @@
           <a:p>
             <a:pPr lvl="0"/>
             <a:r>
-              <a:rPr lang="pt-BR"/>
+              <a:rPr lang="pt-BR" smtClean="0"/>
               <a:t>Editar estilos de texto Mestre</a:t>
             </a:r>
           </a:p>
           <a:p>
             <a:pPr lvl="1"/>
             <a:r>
-              <a:rPr lang="pt-BR"/>
+              <a:rPr lang="pt-BR" smtClean="0"/>
               <a:t>Segundo nível</a:t>
             </a:r>
           </a:p>
           <a:p>
             <a:pPr lvl="2"/>
             <a:r>
-              <a:rPr lang="pt-BR"/>
+              <a:rPr lang="pt-BR" smtClean="0"/>
               <a:t>Terceiro nível</a:t>
             </a:r>
           </a:p>
           <a:p>
             <a:pPr lvl="3"/>
             <a:r>
-              <a:rPr lang="pt-BR"/>
+              <a:rPr lang="pt-BR" smtClean="0"/>
               <a:t>Quarto nível</a:t>
             </a:r>
           </a:p>
           <a:p>
             <a:pPr lvl="4"/>
             <a:r>
-              <a:rPr lang="pt-BR"/>
+              <a:rPr lang="pt-BR" smtClean="0"/>
               <a:t>Quinto nível</a:t>
             </a:r>
+            <a:endParaRPr lang="pt-BR"/>
           </a:p>
         </p:txBody>
       </p:sp>
@@ -415,7 +414,7 @@
           <a:p>
             <a:fld id="{6EC1ED0D-BF85-4338-847F-510DAFD4ACA3}" type="datetimeFigureOut">
               <a:rPr lang="pt-BR" smtClean="0"/>
-              <a:t>17/09/2023</a:t>
+              <a:t>19/11/2022</a:t>
             </a:fld>
             <a:endParaRPr lang="pt-BR"/>
           </a:p>
@@ -514,9 +513,10 @@
           <a:lstStyle/>
           <a:p>
             <a:r>
-              <a:rPr lang="pt-BR"/>
+              <a:rPr lang="pt-BR" smtClean="0"/>
               <a:t>Clique para editar o título mestre</a:t>
             </a:r>
+            <a:endParaRPr lang="pt-BR"/>
           </a:p>
         </p:txBody>
       </p:sp>
@@ -542,37 +542,38 @@
           <a:p>
             <a:pPr lvl="0"/>
             <a:r>
-              <a:rPr lang="pt-BR"/>
+              <a:rPr lang="pt-BR" smtClean="0"/>
               <a:t>Editar estilos de texto Mestre</a:t>
             </a:r>
           </a:p>
           <a:p>
             <a:pPr lvl="1"/>
             <a:r>
-              <a:rPr lang="pt-BR"/>
+              <a:rPr lang="pt-BR" smtClean="0"/>
               <a:t>Segundo nível</a:t>
             </a:r>
           </a:p>
           <a:p>
             <a:pPr lvl="2"/>
             <a:r>
-              <a:rPr lang="pt-BR"/>
+              <a:rPr lang="pt-BR" smtClean="0"/>
               <a:t>Terceiro nível</a:t>
             </a:r>
           </a:p>
           <a:p>
             <a:pPr lvl="3"/>
             <a:r>
-              <a:rPr lang="pt-BR"/>
+              <a:rPr lang="pt-BR" smtClean="0"/>
               <a:t>Quarto nível</a:t>
             </a:r>
           </a:p>
           <a:p>
             <a:pPr lvl="4"/>
             <a:r>
-              <a:rPr lang="pt-BR"/>
+              <a:rPr lang="pt-BR" smtClean="0"/>
               <a:t>Quinto nível</a:t>
             </a:r>
+            <a:endParaRPr lang="pt-BR"/>
           </a:p>
         </p:txBody>
       </p:sp>
@@ -593,7 +594,7 @@
           <a:p>
             <a:fld id="{6EC1ED0D-BF85-4338-847F-510DAFD4ACA3}" type="datetimeFigureOut">
               <a:rPr lang="pt-BR" smtClean="0"/>
-              <a:t>17/09/2023</a:t>
+              <a:t>19/11/2022</a:t>
             </a:fld>
             <a:endParaRPr lang="pt-BR"/>
           </a:p>
@@ -687,9 +688,10 @@
           <a:lstStyle/>
           <a:p>
             <a:r>
-              <a:rPr lang="pt-BR"/>
+              <a:rPr lang="pt-BR" smtClean="0"/>
               <a:t>Clique para editar o título mestre</a:t>
             </a:r>
+            <a:endParaRPr lang="pt-BR"/>
           </a:p>
         </p:txBody>
       </p:sp>
@@ -710,37 +712,38 @@
           <a:p>
             <a:pPr lvl="0"/>
             <a:r>
-              <a:rPr lang="pt-BR"/>
+              <a:rPr lang="pt-BR" smtClean="0"/>
               <a:t>Editar estilos de texto Mestre</a:t>
             </a:r>
           </a:p>
           <a:p>
             <a:pPr lvl="1"/>
             <a:r>
-              <a:rPr lang="pt-BR"/>
+              <a:rPr lang="pt-BR" smtClean="0"/>
               <a:t>Segundo nível</a:t>
             </a:r>
           </a:p>
           <a:p>
             <a:pPr lvl="2"/>
             <a:r>
-              <a:rPr lang="pt-BR"/>
+              <a:rPr lang="pt-BR" smtClean="0"/>
               <a:t>Terceiro nível</a:t>
             </a:r>
           </a:p>
           <a:p>
             <a:pPr lvl="3"/>
             <a:r>
-              <a:rPr lang="pt-BR"/>
+              <a:rPr lang="pt-BR" smtClean="0"/>
               <a:t>Quarto nível</a:t>
             </a:r>
           </a:p>
           <a:p>
             <a:pPr lvl="4"/>
             <a:r>
-              <a:rPr lang="pt-BR"/>
+              <a:rPr lang="pt-BR" smtClean="0"/>
               <a:t>Quinto nível</a:t>
             </a:r>
+            <a:endParaRPr lang="pt-BR"/>
           </a:p>
         </p:txBody>
       </p:sp>
@@ -761,7 +764,7 @@
           <a:p>
             <a:fld id="{6EC1ED0D-BF85-4338-847F-510DAFD4ACA3}" type="datetimeFigureOut">
               <a:rPr lang="pt-BR" smtClean="0"/>
-              <a:t>17/09/2023</a:t>
+              <a:t>19/11/2022</a:t>
             </a:fld>
             <a:endParaRPr lang="pt-BR"/>
           </a:p>
@@ -864,9 +867,10 @@
           </a:lstStyle>
           <a:p>
             <a:r>
-              <a:rPr lang="pt-BR"/>
+              <a:rPr lang="pt-BR" smtClean="0"/>
               <a:t>Clique para editar o título mestre</a:t>
             </a:r>
+            <a:endParaRPr lang="pt-BR"/>
           </a:p>
         </p:txBody>
       </p:sp>
@@ -983,7 +987,7 @@
           <a:p>
             <a:pPr lvl="0"/>
             <a:r>
-              <a:rPr lang="pt-BR"/>
+              <a:rPr lang="pt-BR" smtClean="0"/>
               <a:t>Editar estilos de texto Mestre</a:t>
             </a:r>
           </a:p>
@@ -1006,7 +1010,7 @@
           <a:p>
             <a:fld id="{6EC1ED0D-BF85-4338-847F-510DAFD4ACA3}" type="datetimeFigureOut">
               <a:rPr lang="pt-BR" smtClean="0"/>
-              <a:t>17/09/2023</a:t>
+              <a:t>19/11/2022</a:t>
             </a:fld>
             <a:endParaRPr lang="pt-BR"/>
           </a:p>
@@ -1100,9 +1104,10 @@
           <a:lstStyle/>
           <a:p>
             <a:r>
-              <a:rPr lang="pt-BR"/>
+              <a:rPr lang="pt-BR" smtClean="0"/>
               <a:t>Clique para editar o título mestre</a:t>
             </a:r>
+            <a:endParaRPr lang="pt-BR"/>
           </a:p>
         </p:txBody>
       </p:sp>
@@ -1128,37 +1133,38 @@
           <a:p>
             <a:pPr lvl="0"/>
             <a:r>
-              <a:rPr lang="pt-BR"/>
+              <a:rPr lang="pt-BR" smtClean="0"/>
               <a:t>Editar estilos de texto Mestre</a:t>
             </a:r>
           </a:p>
           <a:p>
             <a:pPr lvl="1"/>
             <a:r>
-              <a:rPr lang="pt-BR"/>
+              <a:rPr lang="pt-BR" smtClean="0"/>
               <a:t>Segundo nível</a:t>
             </a:r>
           </a:p>
           <a:p>
             <a:pPr lvl="2"/>
             <a:r>
-              <a:rPr lang="pt-BR"/>
+              <a:rPr lang="pt-BR" smtClean="0"/>
               <a:t>Terceiro nível</a:t>
             </a:r>
           </a:p>
           <a:p>
             <a:pPr lvl="3"/>
             <a:r>
-              <a:rPr lang="pt-BR"/>
+              <a:rPr lang="pt-BR" smtClean="0"/>
               <a:t>Quarto nível</a:t>
             </a:r>
           </a:p>
           <a:p>
             <a:pPr lvl="4"/>
             <a:r>
-              <a:rPr lang="pt-BR"/>
+              <a:rPr lang="pt-BR" smtClean="0"/>
               <a:t>Quinto nível</a:t>
             </a:r>
+            <a:endParaRPr lang="pt-BR"/>
           </a:p>
         </p:txBody>
       </p:sp>
@@ -1184,37 +1190,38 @@
           <a:p>
             <a:pPr lvl="0"/>
             <a:r>
-              <a:rPr lang="pt-BR"/>
+              <a:rPr lang="pt-BR" smtClean="0"/>
               <a:t>Editar estilos de texto Mestre</a:t>
             </a:r>
           </a:p>
           <a:p>
             <a:pPr lvl="1"/>
             <a:r>
-              <a:rPr lang="pt-BR"/>
+              <a:rPr lang="pt-BR" smtClean="0"/>
               <a:t>Segundo nível</a:t>
             </a:r>
           </a:p>
           <a:p>
             <a:pPr lvl="2"/>
             <a:r>
-              <a:rPr lang="pt-BR"/>
+              <a:rPr lang="pt-BR" smtClean="0"/>
               <a:t>Terceiro nível</a:t>
             </a:r>
           </a:p>
           <a:p>
             <a:pPr lvl="3"/>
             <a:r>
-              <a:rPr lang="pt-BR"/>
+              <a:rPr lang="pt-BR" smtClean="0"/>
               <a:t>Quarto nível</a:t>
             </a:r>
           </a:p>
           <a:p>
             <a:pPr lvl="4"/>
             <a:r>
-              <a:rPr lang="pt-BR"/>
+              <a:rPr lang="pt-BR" smtClean="0"/>
               <a:t>Quinto nível</a:t>
             </a:r>
+            <a:endParaRPr lang="pt-BR"/>
           </a:p>
         </p:txBody>
       </p:sp>
@@ -1235,7 +1242,7 @@
           <a:p>
             <a:fld id="{6EC1ED0D-BF85-4338-847F-510DAFD4ACA3}" type="datetimeFigureOut">
               <a:rPr lang="pt-BR" smtClean="0"/>
-              <a:t>17/09/2023</a:t>
+              <a:t>19/11/2022</a:t>
             </a:fld>
             <a:endParaRPr lang="pt-BR"/>
           </a:p>
@@ -1334,9 +1341,10 @@
           <a:lstStyle/>
           <a:p>
             <a:r>
-              <a:rPr lang="pt-BR"/>
+              <a:rPr lang="pt-BR" smtClean="0"/>
               <a:t>Clique para editar o título mestre</a:t>
             </a:r>
+            <a:endParaRPr lang="pt-BR"/>
           </a:p>
         </p:txBody>
       </p:sp>
@@ -1399,7 +1407,7 @@
           <a:p>
             <a:pPr lvl="0"/>
             <a:r>
-              <a:rPr lang="pt-BR"/>
+              <a:rPr lang="pt-BR" smtClean="0"/>
               <a:t>Editar estilos de texto Mestre</a:t>
             </a:r>
           </a:p>
@@ -1427,37 +1435,38 @@
           <a:p>
             <a:pPr lvl="0"/>
             <a:r>
-              <a:rPr lang="pt-BR"/>
+              <a:rPr lang="pt-BR" smtClean="0"/>
               <a:t>Editar estilos de texto Mestre</a:t>
             </a:r>
           </a:p>
           <a:p>
             <a:pPr lvl="1"/>
             <a:r>
-              <a:rPr lang="pt-BR"/>
+              <a:rPr lang="pt-BR" smtClean="0"/>
               <a:t>Segundo nível</a:t>
             </a:r>
           </a:p>
           <a:p>
             <a:pPr lvl="2"/>
             <a:r>
-              <a:rPr lang="pt-BR"/>
+              <a:rPr lang="pt-BR" smtClean="0"/>
               <a:t>Terceiro nível</a:t>
             </a:r>
           </a:p>
           <a:p>
             <a:pPr lvl="3"/>
             <a:r>
-              <a:rPr lang="pt-BR"/>
+              <a:rPr lang="pt-BR" smtClean="0"/>
               <a:t>Quarto nível</a:t>
             </a:r>
           </a:p>
           <a:p>
             <a:pPr lvl="4"/>
             <a:r>
-              <a:rPr lang="pt-BR"/>
+              <a:rPr lang="pt-BR" smtClean="0"/>
               <a:t>Quinto nível</a:t>
             </a:r>
+            <a:endParaRPr lang="pt-BR"/>
           </a:p>
         </p:txBody>
       </p:sp>
@@ -1520,7 +1529,7 @@
           <a:p>
             <a:pPr lvl="0"/>
             <a:r>
-              <a:rPr lang="pt-BR"/>
+              <a:rPr lang="pt-BR" smtClean="0"/>
               <a:t>Editar estilos de texto Mestre</a:t>
             </a:r>
           </a:p>
@@ -1548,37 +1557,38 @@
           <a:p>
             <a:pPr lvl="0"/>
             <a:r>
-              <a:rPr lang="pt-BR"/>
+              <a:rPr lang="pt-BR" smtClean="0"/>
               <a:t>Editar estilos de texto Mestre</a:t>
             </a:r>
           </a:p>
           <a:p>
             <a:pPr lvl="1"/>
             <a:r>
-              <a:rPr lang="pt-BR"/>
+              <a:rPr lang="pt-BR" smtClean="0"/>
               <a:t>Segundo nível</a:t>
             </a:r>
           </a:p>
           <a:p>
             <a:pPr lvl="2"/>
             <a:r>
-              <a:rPr lang="pt-BR"/>
+              <a:rPr lang="pt-BR" smtClean="0"/>
               <a:t>Terceiro nível</a:t>
             </a:r>
           </a:p>
           <a:p>
             <a:pPr lvl="3"/>
             <a:r>
-              <a:rPr lang="pt-BR"/>
+              <a:rPr lang="pt-BR" smtClean="0"/>
               <a:t>Quarto nível</a:t>
             </a:r>
           </a:p>
           <a:p>
             <a:pPr lvl="4"/>
             <a:r>
-              <a:rPr lang="pt-BR"/>
+              <a:rPr lang="pt-BR" smtClean="0"/>
               <a:t>Quinto nível</a:t>
             </a:r>
+            <a:endParaRPr lang="pt-BR"/>
           </a:p>
         </p:txBody>
       </p:sp>
@@ -1599,7 +1609,7 @@
           <a:p>
             <a:fld id="{6EC1ED0D-BF85-4338-847F-510DAFD4ACA3}" type="datetimeFigureOut">
               <a:rPr lang="pt-BR" smtClean="0"/>
-              <a:t>17/09/2023</a:t>
+              <a:t>19/11/2022</a:t>
             </a:fld>
             <a:endParaRPr lang="pt-BR"/>
           </a:p>
@@ -1693,9 +1703,10 @@
           <a:lstStyle/>
           <a:p>
             <a:r>
-              <a:rPr lang="pt-BR"/>
+              <a:rPr lang="pt-BR" smtClean="0"/>
               <a:t>Clique para editar o título mestre</a:t>
             </a:r>
+            <a:endParaRPr lang="pt-BR"/>
           </a:p>
         </p:txBody>
       </p:sp>
@@ -1716,7 +1727,7 @@
           <a:p>
             <a:fld id="{6EC1ED0D-BF85-4338-847F-510DAFD4ACA3}" type="datetimeFigureOut">
               <a:rPr lang="pt-BR" smtClean="0"/>
-              <a:t>17/09/2023</a:t>
+              <a:t>19/11/2022</a:t>
             </a:fld>
             <a:endParaRPr lang="pt-BR"/>
           </a:p>
@@ -1811,7 +1822,7 @@
           <a:p>
             <a:fld id="{6EC1ED0D-BF85-4338-847F-510DAFD4ACA3}" type="datetimeFigureOut">
               <a:rPr lang="pt-BR" smtClean="0"/>
-              <a:t>17/09/2023</a:t>
+              <a:t>19/11/2022</a:t>
             </a:fld>
             <a:endParaRPr lang="pt-BR"/>
           </a:p>
@@ -1914,9 +1925,10 @@
           </a:lstStyle>
           <a:p>
             <a:r>
-              <a:rPr lang="pt-BR"/>
+              <a:rPr lang="pt-BR" smtClean="0"/>
               <a:t>Clique para editar o título mestre</a:t>
             </a:r>
+            <a:endParaRPr lang="pt-BR"/>
           </a:p>
         </p:txBody>
       </p:sp>
@@ -1970,37 +1982,38 @@
           <a:p>
             <a:pPr lvl="0"/>
             <a:r>
-              <a:rPr lang="pt-BR"/>
+              <a:rPr lang="pt-BR" smtClean="0"/>
               <a:t>Editar estilos de texto Mestre</a:t>
             </a:r>
           </a:p>
           <a:p>
             <a:pPr lvl="1"/>
             <a:r>
-              <a:rPr lang="pt-BR"/>
+              <a:rPr lang="pt-BR" smtClean="0"/>
               <a:t>Segundo nível</a:t>
             </a:r>
           </a:p>
           <a:p>
             <a:pPr lvl="2"/>
             <a:r>
-              <a:rPr lang="pt-BR"/>
+              <a:rPr lang="pt-BR" smtClean="0"/>
               <a:t>Terceiro nível</a:t>
             </a:r>
           </a:p>
           <a:p>
             <a:pPr lvl="3"/>
             <a:r>
-              <a:rPr lang="pt-BR"/>
+              <a:rPr lang="pt-BR" smtClean="0"/>
               <a:t>Quarto nível</a:t>
             </a:r>
           </a:p>
           <a:p>
             <a:pPr lvl="4"/>
             <a:r>
-              <a:rPr lang="pt-BR"/>
+              <a:rPr lang="pt-BR" smtClean="0"/>
               <a:t>Quinto nível</a:t>
             </a:r>
+            <a:endParaRPr lang="pt-BR"/>
           </a:p>
         </p:txBody>
       </p:sp>
@@ -2063,7 +2076,7 @@
           <a:p>
             <a:pPr lvl="0"/>
             <a:r>
-              <a:rPr lang="pt-BR"/>
+              <a:rPr lang="pt-BR" smtClean="0"/>
               <a:t>Editar estilos de texto Mestre</a:t>
             </a:r>
           </a:p>
@@ -2086,7 +2099,7 @@
           <a:p>
             <a:fld id="{6EC1ED0D-BF85-4338-847F-510DAFD4ACA3}" type="datetimeFigureOut">
               <a:rPr lang="pt-BR" smtClean="0"/>
-              <a:t>17/09/2023</a:t>
+              <a:t>19/11/2022</a:t>
             </a:fld>
             <a:endParaRPr lang="pt-BR"/>
           </a:p>
@@ -2189,9 +2202,10 @@
           </a:lstStyle>
           <a:p>
             <a:r>
-              <a:rPr lang="pt-BR"/>
+              <a:rPr lang="pt-BR" smtClean="0"/>
               <a:t>Clique para editar o título mestre</a:t>
             </a:r>
+            <a:endParaRPr lang="pt-BR"/>
           </a:p>
         </p:txBody>
       </p:sp>
@@ -2315,7 +2329,7 @@
           <a:p>
             <a:pPr lvl="0"/>
             <a:r>
-              <a:rPr lang="pt-BR"/>
+              <a:rPr lang="pt-BR" smtClean="0"/>
               <a:t>Editar estilos de texto Mestre</a:t>
             </a:r>
           </a:p>
@@ -2338,7 +2352,7 @@
           <a:p>
             <a:fld id="{6EC1ED0D-BF85-4338-847F-510DAFD4ACA3}" type="datetimeFigureOut">
               <a:rPr lang="pt-BR" smtClean="0"/>
-              <a:t>17/09/2023</a:t>
+              <a:t>19/11/2022</a:t>
             </a:fld>
             <a:endParaRPr lang="pt-BR"/>
           </a:p>
@@ -2447,9 +2461,10 @@
           <a:lstStyle/>
           <a:p>
             <a:r>
-              <a:rPr lang="pt-BR"/>
+              <a:rPr lang="pt-BR" smtClean="0"/>
               <a:t>Clique para editar o título mestre</a:t>
             </a:r>
+            <a:endParaRPr lang="pt-BR"/>
           </a:p>
         </p:txBody>
       </p:sp>
@@ -2480,37 +2495,38 @@
           <a:p>
             <a:pPr lvl="0"/>
             <a:r>
-              <a:rPr lang="pt-BR"/>
+              <a:rPr lang="pt-BR" smtClean="0"/>
               <a:t>Editar estilos de texto Mestre</a:t>
             </a:r>
           </a:p>
           <a:p>
             <a:pPr lvl="1"/>
             <a:r>
-              <a:rPr lang="pt-BR"/>
+              <a:rPr lang="pt-BR" smtClean="0"/>
               <a:t>Segundo nível</a:t>
             </a:r>
           </a:p>
           <a:p>
             <a:pPr lvl="2"/>
             <a:r>
-              <a:rPr lang="pt-BR"/>
+              <a:rPr lang="pt-BR" smtClean="0"/>
               <a:t>Terceiro nível</a:t>
             </a:r>
           </a:p>
           <a:p>
             <a:pPr lvl="3"/>
             <a:r>
-              <a:rPr lang="pt-BR"/>
+              <a:rPr lang="pt-BR" smtClean="0"/>
               <a:t>Quarto nível</a:t>
             </a:r>
           </a:p>
           <a:p>
             <a:pPr lvl="4"/>
             <a:r>
-              <a:rPr lang="pt-BR"/>
+              <a:rPr lang="pt-BR" smtClean="0"/>
               <a:t>Quinto nível</a:t>
             </a:r>
+            <a:endParaRPr lang="pt-BR"/>
           </a:p>
         </p:txBody>
       </p:sp>
@@ -2549,7 +2565,7 @@
           <a:p>
             <a:fld id="{6EC1ED0D-BF85-4338-847F-510DAFD4ACA3}" type="datetimeFigureOut">
               <a:rPr lang="pt-BR" smtClean="0"/>
-              <a:t>17/09/2023</a:t>
+              <a:t>19/11/2022</a:t>
             </a:fld>
             <a:endParaRPr lang="pt-BR"/>
           </a:p>
@@ -2966,7 +2982,7 @@
         </p:nvSpPr>
         <p:spPr>
           <a:xfrm>
-            <a:off x="329821" y="1701724"/>
+            <a:off x="327546" y="590100"/>
             <a:ext cx="11532358" cy="2387600"/>
           </a:xfrm>
         </p:spPr>
@@ -2977,11 +2993,14 @@
           <a:lstStyle/>
           <a:p>
             <a:r>
-              <a:rPr lang="pt-BR" sz="9600" b="1" dirty="0">
+              <a:rPr lang="pt-BR" sz="9600" b="1" dirty="0" smtClean="0">
                 <a:latin typeface="Arial Black" panose="020B0A04020102020204" pitchFamily="34" charset="0"/>
               </a:rPr>
               <a:t>DEUS ETERNO </a:t>
             </a:r>
+            <a:endParaRPr lang="pt-BR" sz="9600" b="1" dirty="0">
+              <a:latin typeface="Arial Black" panose="020B0A04020102020204" pitchFamily="34" charset="0"/>
+            </a:endParaRPr>
           </a:p>
         </p:txBody>
       </p:sp>
@@ -3008,11 +3027,14 @@
           <a:lstStyle/>
           <a:p>
             <a:r>
-              <a:rPr lang="pt-BR" sz="6000" b="1" dirty="0">
+              <a:rPr lang="pt-BR" sz="6000" b="1" dirty="0" smtClean="0">
                 <a:latin typeface="Arial Black" panose="020B0A04020102020204" pitchFamily="34" charset="0"/>
               </a:rPr>
-              <a:t>OFICINA G3</a:t>
-            </a:r>
+              <a:t>OFICINA G 3</a:t>
+            </a:r>
+            <a:endParaRPr lang="pt-BR" sz="6000" b="1" dirty="0">
+              <a:latin typeface="Arial Black" panose="020B0A04020102020204" pitchFamily="34" charset="0"/>
+            </a:endParaRPr>
           </a:p>
         </p:txBody>
       </p:sp>
@@ -3054,7 +3076,7 @@
         </p:nvSpPr>
         <p:spPr>
           <a:xfrm>
-            <a:off x="636895" y="1074509"/>
+            <a:off x="181969" y="280748"/>
             <a:ext cx="11555105" cy="4708981"/>
           </a:xfrm>
           <a:prstGeom prst="rect">
@@ -3068,7 +3090,7 @@
           <a:lstStyle/>
           <a:p>
             <a:r>
-              <a:rPr lang="pt-BR" sz="6000" b="1" i="0" dirty="0">
+              <a:rPr lang="pt-BR" sz="6000" b="1" i="0" dirty="0" smtClean="0">
                 <a:solidFill>
                   <a:srgbClr val="2D2D2D"/>
                 </a:solidFill>
@@ -3077,13 +3099,19 @@
               </a:rPr>
               <a:t>Ó DEUS TÚ ÉS O MEU DEUS FORTE E A MINHA FORTALEZA</a:t>
             </a:r>
+            <a:r>
+              <a:rPr lang="pt-BR" sz="6000" b="1" dirty="0" smtClean="0">
+                <a:latin typeface="Arial Black" panose="020B0A04020102020204" pitchFamily="34" charset="0"/>
+              </a:rPr>
+              <a:t/>
+            </a:r>
             <a:br>
-              <a:rPr lang="pt-BR" sz="6000" b="1" dirty="0">
+              <a:rPr lang="pt-BR" sz="6000" b="1" dirty="0" smtClean="0">
                 <a:latin typeface="Arial Black" panose="020B0A04020102020204" pitchFamily="34" charset="0"/>
               </a:rPr>
             </a:br>
             <a:r>
-              <a:rPr lang="pt-BR" sz="6000" b="1" i="0" dirty="0">
+              <a:rPr lang="pt-BR" sz="6000" b="1" i="0" dirty="0" smtClean="0">
                 <a:solidFill>
                   <a:srgbClr val="2D2D2D"/>
                 </a:solidFill>
@@ -3136,7 +3164,7 @@
         </p:nvSpPr>
         <p:spPr>
           <a:xfrm>
-            <a:off x="270681" y="1536174"/>
+            <a:off x="359390" y="321692"/>
             <a:ext cx="11650639" cy="3785652"/>
           </a:xfrm>
           <a:prstGeom prst="rect">
@@ -3150,7 +3178,7 @@
           <a:lstStyle/>
           <a:p>
             <a:r>
-              <a:rPr lang="pt-BR" sz="6000" b="1" i="0" dirty="0">
+              <a:rPr lang="pt-BR" sz="6000" b="1" i="0" dirty="0" smtClean="0">
                 <a:solidFill>
                   <a:srgbClr val="2D2D2D"/>
                 </a:solidFill>
@@ -3159,13 +3187,19 @@
               </a:rPr>
               <a:t>COM JÚBILO NOS LÁBIOS TE LOUVO Ó MEU REI</a:t>
             </a:r>
+            <a:r>
+              <a:rPr lang="pt-BR" sz="6000" b="1" dirty="0" smtClean="0">
+                <a:latin typeface="Arial Black" panose="020B0A04020102020204" pitchFamily="34" charset="0"/>
+              </a:rPr>
+              <a:t/>
+            </a:r>
             <a:br>
-              <a:rPr lang="pt-BR" sz="6000" b="1" dirty="0">
+              <a:rPr lang="pt-BR" sz="6000" b="1" dirty="0" smtClean="0">
                 <a:latin typeface="Arial Black" panose="020B0A04020102020204" pitchFamily="34" charset="0"/>
               </a:rPr>
             </a:br>
             <a:r>
-              <a:rPr lang="pt-BR" sz="6000" b="1" i="0" dirty="0">
+              <a:rPr lang="pt-BR" sz="6000" b="1" i="0" dirty="0" smtClean="0">
                 <a:solidFill>
                   <a:srgbClr val="2D2D2D"/>
                 </a:solidFill>
@@ -3218,7 +3252,7 @@
         </p:nvSpPr>
         <p:spPr>
           <a:xfrm>
-            <a:off x="400334" y="1536174"/>
+            <a:off x="263856" y="376283"/>
             <a:ext cx="11391332" cy="3785652"/>
           </a:xfrm>
           <a:prstGeom prst="rect">
@@ -3232,7 +3266,7 @@
           <a:lstStyle/>
           <a:p>
             <a:r>
-              <a:rPr lang="pt-BR" sz="6000" b="1" i="0" dirty="0">
+              <a:rPr lang="pt-BR" sz="6000" b="1" i="0" dirty="0" smtClean="0">
                 <a:solidFill>
                   <a:srgbClr val="2D2D2D"/>
                 </a:solidFill>
@@ -3241,13 +3275,19 @@
               </a:rPr>
               <a:t>TE LOUVO E TE BENDIGO, PORQUE ÉS BENDITO</a:t>
             </a:r>
+            <a:r>
+              <a:rPr lang="pt-BR" sz="6000" b="1" dirty="0" smtClean="0">
+                <a:latin typeface="Arial Black" panose="020B0A04020102020204" pitchFamily="34" charset="0"/>
+              </a:rPr>
+              <a:t/>
+            </a:r>
             <a:br>
-              <a:rPr lang="pt-BR" sz="6000" b="1" dirty="0">
+              <a:rPr lang="pt-BR" sz="6000" b="1" dirty="0" smtClean="0">
                 <a:latin typeface="Arial Black" panose="020B0A04020102020204" pitchFamily="34" charset="0"/>
               </a:rPr>
             </a:br>
             <a:r>
-              <a:rPr lang="pt-BR" sz="6000" b="1" i="0" dirty="0">
+              <a:rPr lang="pt-BR" sz="6000" b="1" i="0" dirty="0" smtClean="0">
                 <a:solidFill>
                   <a:srgbClr val="2D2D2D"/>
                 </a:solidFill>
@@ -3300,7 +3340,7 @@
         </p:nvSpPr>
         <p:spPr>
           <a:xfrm>
-            <a:off x="413982" y="1074510"/>
+            <a:off x="291152" y="389930"/>
             <a:ext cx="11364036" cy="4708981"/>
           </a:xfrm>
           <a:prstGeom prst="rect">
@@ -3314,7 +3354,7 @@
           <a:lstStyle/>
           <a:p>
             <a:r>
-              <a:rPr lang="pt-BR" sz="6000" b="1" i="0" dirty="0">
+              <a:rPr lang="pt-BR" sz="6000" b="1" i="0" dirty="0" smtClean="0">
                 <a:solidFill>
                   <a:srgbClr val="2D2D2D"/>
                 </a:solidFill>
@@ -3323,13 +3363,19 @@
               </a:rPr>
               <a:t>TE LOUVO E TE BENDIGO, PORQUE SEMPRE ÉS COMIGO</a:t>
             </a:r>
+            <a:r>
+              <a:rPr lang="pt-BR" sz="6000" b="1" dirty="0" smtClean="0">
+                <a:latin typeface="Arial Black" panose="020B0A04020102020204" pitchFamily="34" charset="0"/>
+              </a:rPr>
+              <a:t/>
+            </a:r>
             <a:br>
-              <a:rPr lang="pt-BR" sz="6000" b="1" dirty="0">
+              <a:rPr lang="pt-BR" sz="6000" b="1" dirty="0" smtClean="0">
                 <a:latin typeface="Arial Black" panose="020B0A04020102020204" pitchFamily="34" charset="0"/>
               </a:rPr>
             </a:br>
             <a:r>
-              <a:rPr lang="pt-BR" sz="6000" b="1" i="0" dirty="0">
+              <a:rPr lang="pt-BR" sz="6000" b="1" i="0" dirty="0" smtClean="0">
                 <a:solidFill>
                   <a:srgbClr val="2D2D2D"/>
                 </a:solidFill>
@@ -3382,7 +3428,7 @@
         </p:nvSpPr>
         <p:spPr>
           <a:xfrm>
-            <a:off x="504284" y="2459504"/>
+            <a:off x="526346" y="528430"/>
             <a:ext cx="11183433" cy="1938992"/>
           </a:xfrm>
           <a:prstGeom prst="rect">
@@ -3396,7 +3442,7 @@
           <a:lstStyle/>
           <a:p>
             <a:r>
-              <a:rPr lang="pt-BR" sz="6000" b="1" i="0" dirty="0">
+              <a:rPr lang="pt-BR" sz="6000" b="1" i="0" dirty="0" smtClean="0">
                 <a:solidFill>
                   <a:srgbClr val="2D2D2D"/>
                 </a:solidFill>
@@ -3449,7 +3495,7 @@
         </p:nvSpPr>
         <p:spPr>
           <a:xfrm>
-            <a:off x="476633" y="2028617"/>
+            <a:off x="593875" y="801385"/>
             <a:ext cx="11238734" cy="2800767"/>
           </a:xfrm>
           <a:prstGeom prst="rect">
@@ -3463,14 +3509,24 @@
           <a:lstStyle/>
           <a:p>
             <a:r>
-              <a:rPr lang="pt-BR" sz="8800" b="1" i="0" dirty="0">
+              <a:rPr lang="pt-BR" sz="8800" b="1" i="0" smtClean="0">
                 <a:solidFill>
                   <a:srgbClr val="2D2D2D"/>
                 </a:solidFill>
                 <a:effectLst/>
                 <a:latin typeface="Arial Black" panose="020B0A04020102020204" pitchFamily="34" charset="0"/>
               </a:rPr>
-              <a:t>GLÓRIAS AO DEUS ETERNO</a:t>
+              <a:t>GLÓRIAS </a:t>
+            </a:r>
+            <a:r>
+              <a:rPr lang="pt-BR" sz="8800" b="1" i="0" dirty="0" smtClean="0">
+                <a:solidFill>
+                  <a:srgbClr val="2D2D2D"/>
+                </a:solidFill>
+                <a:effectLst/>
+                <a:latin typeface="Arial Black" panose="020B0A04020102020204" pitchFamily="34" charset="0"/>
+              </a:rPr>
+              <a:t>AO DEUS ETERNO</a:t>
             </a:r>
             <a:endParaRPr lang="pt-BR" sz="8800" b="1" dirty="0">
               <a:latin typeface="Arial Black" panose="020B0A04020102020204" pitchFamily="34" charset="0"/>
